--- a/static/img/lab_logo.pptx
+++ b/static/img/lab_logo.pptx
@@ -243,7 +243,7 @@
           <a:p>
             <a:fld id="{053B5D1D-E64D-E342-997B-4B117303FF57}" type="datetimeFigureOut">
               <a:rPr lang="en-US" smtClean="0"/>
-              <a:t>9/23/2020</a:t>
+              <a:t>9/24/2020</a:t>
             </a:fld>
             <a:endParaRPr lang="en-US"/>
           </a:p>
@@ -413,7 +413,7 @@
           <a:p>
             <a:fld id="{053B5D1D-E64D-E342-997B-4B117303FF57}" type="datetimeFigureOut">
               <a:rPr lang="en-US" smtClean="0"/>
-              <a:t>9/23/2020</a:t>
+              <a:t>9/24/2020</a:t>
             </a:fld>
             <a:endParaRPr lang="en-US"/>
           </a:p>
@@ -593,7 +593,7 @@
           <a:p>
             <a:fld id="{053B5D1D-E64D-E342-997B-4B117303FF57}" type="datetimeFigureOut">
               <a:rPr lang="en-US" smtClean="0"/>
-              <a:t>9/23/2020</a:t>
+              <a:t>9/24/2020</a:t>
             </a:fld>
             <a:endParaRPr lang="en-US"/>
           </a:p>
@@ -763,7 +763,7 @@
           <a:p>
             <a:fld id="{053B5D1D-E64D-E342-997B-4B117303FF57}" type="datetimeFigureOut">
               <a:rPr lang="en-US" smtClean="0"/>
-              <a:t>9/23/2020</a:t>
+              <a:t>9/24/2020</a:t>
             </a:fld>
             <a:endParaRPr lang="en-US"/>
           </a:p>
@@ -1007,7 +1007,7 @@
           <a:p>
             <a:fld id="{053B5D1D-E64D-E342-997B-4B117303FF57}" type="datetimeFigureOut">
               <a:rPr lang="en-US" smtClean="0"/>
-              <a:t>9/23/2020</a:t>
+              <a:t>9/24/2020</a:t>
             </a:fld>
             <a:endParaRPr lang="en-US"/>
           </a:p>
@@ -1239,7 +1239,7 @@
           <a:p>
             <a:fld id="{053B5D1D-E64D-E342-997B-4B117303FF57}" type="datetimeFigureOut">
               <a:rPr lang="en-US" smtClean="0"/>
-              <a:t>9/23/2020</a:t>
+              <a:t>9/24/2020</a:t>
             </a:fld>
             <a:endParaRPr lang="en-US"/>
           </a:p>
@@ -1606,7 +1606,7 @@
           <a:p>
             <a:fld id="{053B5D1D-E64D-E342-997B-4B117303FF57}" type="datetimeFigureOut">
               <a:rPr lang="en-US" smtClean="0"/>
-              <a:t>9/23/2020</a:t>
+              <a:t>9/24/2020</a:t>
             </a:fld>
             <a:endParaRPr lang="en-US"/>
           </a:p>
@@ -1724,7 +1724,7 @@
           <a:p>
             <a:fld id="{053B5D1D-E64D-E342-997B-4B117303FF57}" type="datetimeFigureOut">
               <a:rPr lang="en-US" smtClean="0"/>
-              <a:t>9/23/2020</a:t>
+              <a:t>9/24/2020</a:t>
             </a:fld>
             <a:endParaRPr lang="en-US"/>
           </a:p>
@@ -1819,7 +1819,7 @@
           <a:p>
             <a:fld id="{053B5D1D-E64D-E342-997B-4B117303FF57}" type="datetimeFigureOut">
               <a:rPr lang="en-US" smtClean="0"/>
-              <a:t>9/23/2020</a:t>
+              <a:t>9/24/2020</a:t>
             </a:fld>
             <a:endParaRPr lang="en-US"/>
           </a:p>
@@ -2096,7 +2096,7 @@
           <a:p>
             <a:fld id="{053B5D1D-E64D-E342-997B-4B117303FF57}" type="datetimeFigureOut">
               <a:rPr lang="en-US" smtClean="0"/>
-              <a:t>9/23/2020</a:t>
+              <a:t>9/24/2020</a:t>
             </a:fld>
             <a:endParaRPr lang="en-US"/>
           </a:p>
@@ -2353,7 +2353,7 @@
           <a:p>
             <a:fld id="{053B5D1D-E64D-E342-997B-4B117303FF57}" type="datetimeFigureOut">
               <a:rPr lang="en-US" smtClean="0"/>
-              <a:t>9/23/2020</a:t>
+              <a:t>9/24/2020</a:t>
             </a:fld>
             <a:endParaRPr lang="en-US"/>
           </a:p>
@@ -2566,7 +2566,7 @@
           <a:p>
             <a:fld id="{053B5D1D-E64D-E342-997B-4B117303FF57}" type="datetimeFigureOut">
               <a:rPr lang="en-US" smtClean="0"/>
-              <a:t>9/23/2020</a:t>
+              <a:t>9/24/2020</a:t>
             </a:fld>
             <a:endParaRPr lang="en-US"/>
           </a:p>
@@ -3347,49 +3347,6 @@
           </a:p>
         </p:txBody>
       </p:sp>
-      <p:cxnSp>
-        <p:nvCxnSpPr>
-          <p:cNvPr id="45" name="Straight Connector 44">
-            <a:extLst>
-              <a:ext uri="{FF2B5EF4-FFF2-40B4-BE49-F238E27FC236}">
-                <a16:creationId xmlns:a16="http://schemas.microsoft.com/office/drawing/2014/main" id="{E1EEEFE0-7627-6A4C-8D08-DFBF86158B0B}"/>
-              </a:ext>
-            </a:extLst>
-          </p:cNvPr>
-          <p:cNvCxnSpPr>
-            <a:cxnSpLocks/>
-          </p:cNvCxnSpPr>
-          <p:nvPr/>
-        </p:nvCxnSpPr>
-        <p:spPr>
-          <a:xfrm flipV="1">
-            <a:off x="6233201" y="2007788"/>
-            <a:ext cx="0" cy="3555997"/>
-          </a:xfrm>
-          <a:prstGeom prst="line">
-            <a:avLst/>
-          </a:prstGeom>
-          <a:ln w="57150">
-            <a:solidFill>
-              <a:schemeClr val="tx1"/>
-            </a:solidFill>
-          </a:ln>
-        </p:spPr>
-        <p:style>
-          <a:lnRef idx="1">
-            <a:schemeClr val="accent1"/>
-          </a:lnRef>
-          <a:fillRef idx="0">
-            <a:schemeClr val="accent1"/>
-          </a:fillRef>
-          <a:effectRef idx="0">
-            <a:schemeClr val="accent1"/>
-          </a:effectRef>
-          <a:fontRef idx="minor">
-            <a:schemeClr val="tx1"/>
-          </a:fontRef>
-        </p:style>
-      </p:cxnSp>
     </p:spTree>
     <p:extLst>
       <p:ext uri="{BB962C8B-B14F-4D97-AF65-F5344CB8AC3E}">
